--- a/Electrical/Cable Management.pptx
+++ b/Electrical/Cable Management.pptx
@@ -105,6 +105,11 @@
       </a:defRPr>
     </a:lvl9pPr>
   </p:defaultTextStyle>
+  <p:extLst>
+    <p:ext uri="{EFAFB233-063F-42B5-8137-9DF3F51BA10A}">
+      <p15:sldGuideLst xmlns:p15="http://schemas.microsoft.com/office/powerpoint/2012/main"/>
+    </p:ext>
+  </p:extLst>
 </p:presentation>
 </file>
 
@@ -4465,7 +4470,7 @@
             <a:pPr algn="ctr"/>
             <a:r>
               <a:rPr lang="en-AU" dirty="0"/>
-              <a:t>Motor Driver</a:t>
+              <a:t>Stepper</a:t>
             </a:r>
           </a:p>
         </p:txBody>

--- a/Electrical/Cable Management.pptx
+++ b/Electrical/Cable Management.pptx
@@ -4594,7 +4594,7 @@
         <p:spPr>
           <a:xfrm>
             <a:off x="8320535" y="3904037"/>
-            <a:ext cx="3142304" cy="2284582"/>
+            <a:ext cx="3142304" cy="1843871"/>
           </a:xfrm>
           <a:prstGeom prst="rect">
             <a:avLst/>
@@ -4701,46 +4701,6 @@
             <a:r>
               <a:rPr lang="en-AU" dirty="0"/>
               <a:t>M2B</a:t>
-            </a:r>
-          </a:p>
-          <a:p>
-            <a:pPr marL="285750" indent="-285750">
-              <a:buFont typeface="Arial" panose="020B0604020202020204" pitchFamily="34" charset="0"/>
-              <a:buChar char="•"/>
-            </a:pPr>
-            <a:r>
-              <a:rPr lang="en-AU" dirty="0"/>
-              <a:t>M3A</a:t>
-            </a:r>
-          </a:p>
-          <a:p>
-            <a:pPr marL="285750" indent="-285750">
-              <a:buFont typeface="Arial" panose="020B0604020202020204" pitchFamily="34" charset="0"/>
-              <a:buChar char="•"/>
-            </a:pPr>
-            <a:r>
-              <a:rPr lang="en-AU" dirty="0"/>
-              <a:t>M3B</a:t>
-            </a:r>
-          </a:p>
-          <a:p>
-            <a:pPr marL="285750" indent="-285750">
-              <a:buFont typeface="Arial" panose="020B0604020202020204" pitchFamily="34" charset="0"/>
-              <a:buChar char="•"/>
-            </a:pPr>
-            <a:r>
-              <a:rPr lang="en-AU" dirty="0"/>
-              <a:t>M4A</a:t>
-            </a:r>
-          </a:p>
-          <a:p>
-            <a:pPr marL="285750" indent="-285750">
-              <a:buFont typeface="Arial" panose="020B0604020202020204" pitchFamily="34" charset="0"/>
-              <a:buChar char="•"/>
-            </a:pPr>
-            <a:r>
-              <a:rPr lang="en-AU" dirty="0"/>
-              <a:t>M4B</a:t>
             </a:r>
           </a:p>
           <a:p>
@@ -4950,46 +4910,6 @@
             <a:r>
               <a:rPr lang="en-AU" dirty="0"/>
               <a:t>M2B</a:t>
-            </a:r>
-          </a:p>
-          <a:p>
-            <a:pPr marL="285750" indent="-285750">
-              <a:buFont typeface="Arial" panose="020B0604020202020204" pitchFamily="34" charset="0"/>
-              <a:buChar char="•"/>
-            </a:pPr>
-            <a:r>
-              <a:rPr lang="en-AU" dirty="0"/>
-              <a:t>M3A</a:t>
-            </a:r>
-          </a:p>
-          <a:p>
-            <a:pPr marL="285750" indent="-285750">
-              <a:buFont typeface="Arial" panose="020B0604020202020204" pitchFamily="34" charset="0"/>
-              <a:buChar char="•"/>
-            </a:pPr>
-            <a:r>
-              <a:rPr lang="en-AU" dirty="0"/>
-              <a:t>M3B</a:t>
-            </a:r>
-          </a:p>
-          <a:p>
-            <a:pPr marL="285750" indent="-285750">
-              <a:buFont typeface="Arial" panose="020B0604020202020204" pitchFamily="34" charset="0"/>
-              <a:buChar char="•"/>
-            </a:pPr>
-            <a:r>
-              <a:rPr lang="en-AU" dirty="0"/>
-              <a:t>M4A</a:t>
-            </a:r>
-          </a:p>
-          <a:p>
-            <a:pPr marL="285750" indent="-285750">
-              <a:buFont typeface="Arial" panose="020B0604020202020204" pitchFamily="34" charset="0"/>
-              <a:buChar char="•"/>
-            </a:pPr>
-            <a:r>
-              <a:rPr lang="en-AU" dirty="0"/>
-              <a:t>M4B</a:t>
             </a:r>
           </a:p>
           <a:p>
